--- a/diagramas.pptx
+++ b/diagramas.pptx
@@ -104,6 +104,11 @@
       </a:defRPr>
     </a:lvl9pPr>
   </p:defaultTextStyle>
+  <p:extLst>
+    <p:ext uri="{EFAFB233-063F-42B5-8137-9DF3F51BA10A}">
+      <p15:sldGuideLst xmlns:p15="http://schemas.microsoft.com/office/powerpoint/2012/main"/>
+    </p:ext>
+  </p:extLst>
 </p:presentation>
 </file>
 

--- a/diagramas.pptx
+++ b/diagramas.pptx
@@ -106,7 +106,18 @@
   </p:defaultTextStyle>
   <p:extLst>
     <p:ext uri="{EFAFB233-063F-42B5-8137-9DF3F51BA10A}">
-      <p15:sldGuideLst xmlns:p15="http://schemas.microsoft.com/office/powerpoint/2012/main"/>
+      <p15:sldGuideLst xmlns:p15="http://schemas.microsoft.com/office/powerpoint/2012/main">
+        <p15:guide id="1" orient="horz" pos="2880" userDrawn="1">
+          <p15:clr>
+            <a:srgbClr val="A4A3A4"/>
+          </p15:clr>
+        </p15:guide>
+        <p15:guide id="2" pos="2160" userDrawn="1">
+          <p15:clr>
+            <a:srgbClr val="A4A3A4"/>
+          </p15:clr>
+        </p15:guide>
+      </p15:sldGuideLst>
     </p:ext>
   </p:extLst>
 </p:presentation>
@@ -243,7 +254,7 @@
           <a:p>
             <a:fld id="{FDA1D753-A00C-47CF-8A2F-D7CC9C9722D8}" type="datetimeFigureOut">
               <a:rPr lang="en-US" smtClean="0"/>
-              <a:t>1/6/2022</a:t>
+              <a:t>1/7/2022</a:t>
             </a:fld>
             <a:endParaRPr lang="en-US"/>
           </a:p>
@@ -413,7 +424,7 @@
           <a:p>
             <a:fld id="{FDA1D753-A00C-47CF-8A2F-D7CC9C9722D8}" type="datetimeFigureOut">
               <a:rPr lang="en-US" smtClean="0"/>
-              <a:t>1/6/2022</a:t>
+              <a:t>1/7/2022</a:t>
             </a:fld>
             <a:endParaRPr lang="en-US"/>
           </a:p>
@@ -593,7 +604,7 @@
           <a:p>
             <a:fld id="{FDA1D753-A00C-47CF-8A2F-D7CC9C9722D8}" type="datetimeFigureOut">
               <a:rPr lang="en-US" smtClean="0"/>
-              <a:t>1/6/2022</a:t>
+              <a:t>1/7/2022</a:t>
             </a:fld>
             <a:endParaRPr lang="en-US"/>
           </a:p>
@@ -763,7 +774,7 @@
           <a:p>
             <a:fld id="{FDA1D753-A00C-47CF-8A2F-D7CC9C9722D8}" type="datetimeFigureOut">
               <a:rPr lang="en-US" smtClean="0"/>
-              <a:t>1/6/2022</a:t>
+              <a:t>1/7/2022</a:t>
             </a:fld>
             <a:endParaRPr lang="en-US"/>
           </a:p>
@@ -1007,7 +1018,7 @@
           <a:p>
             <a:fld id="{FDA1D753-A00C-47CF-8A2F-D7CC9C9722D8}" type="datetimeFigureOut">
               <a:rPr lang="en-US" smtClean="0"/>
-              <a:t>1/6/2022</a:t>
+              <a:t>1/7/2022</a:t>
             </a:fld>
             <a:endParaRPr lang="en-US"/>
           </a:p>
@@ -1239,7 +1250,7 @@
           <a:p>
             <a:fld id="{FDA1D753-A00C-47CF-8A2F-D7CC9C9722D8}" type="datetimeFigureOut">
               <a:rPr lang="en-US" smtClean="0"/>
-              <a:t>1/6/2022</a:t>
+              <a:t>1/7/2022</a:t>
             </a:fld>
             <a:endParaRPr lang="en-US"/>
           </a:p>
@@ -1606,7 +1617,7 @@
           <a:p>
             <a:fld id="{FDA1D753-A00C-47CF-8A2F-D7CC9C9722D8}" type="datetimeFigureOut">
               <a:rPr lang="en-US" smtClean="0"/>
-              <a:t>1/6/2022</a:t>
+              <a:t>1/7/2022</a:t>
             </a:fld>
             <a:endParaRPr lang="en-US"/>
           </a:p>
@@ -1724,7 +1735,7 @@
           <a:p>
             <a:fld id="{FDA1D753-A00C-47CF-8A2F-D7CC9C9722D8}" type="datetimeFigureOut">
               <a:rPr lang="en-US" smtClean="0"/>
-              <a:t>1/6/2022</a:t>
+              <a:t>1/7/2022</a:t>
             </a:fld>
             <a:endParaRPr lang="en-US"/>
           </a:p>
@@ -1819,7 +1830,7 @@
           <a:p>
             <a:fld id="{FDA1D753-A00C-47CF-8A2F-D7CC9C9722D8}" type="datetimeFigureOut">
               <a:rPr lang="en-US" smtClean="0"/>
-              <a:t>1/6/2022</a:t>
+              <a:t>1/7/2022</a:t>
             </a:fld>
             <a:endParaRPr lang="en-US"/>
           </a:p>
@@ -2096,7 +2107,7 @@
           <a:p>
             <a:fld id="{FDA1D753-A00C-47CF-8A2F-D7CC9C9722D8}" type="datetimeFigureOut">
               <a:rPr lang="en-US" smtClean="0"/>
-              <a:t>1/6/2022</a:t>
+              <a:t>1/7/2022</a:t>
             </a:fld>
             <a:endParaRPr lang="en-US"/>
           </a:p>
@@ -2353,7 +2364,7 @@
           <a:p>
             <a:fld id="{FDA1D753-A00C-47CF-8A2F-D7CC9C9722D8}" type="datetimeFigureOut">
               <a:rPr lang="en-US" smtClean="0"/>
-              <a:t>1/6/2022</a:t>
+              <a:t>1/7/2022</a:t>
             </a:fld>
             <a:endParaRPr lang="en-US"/>
           </a:p>
@@ -2566,7 +2577,7 @@
           <a:p>
             <a:fld id="{FDA1D753-A00C-47CF-8A2F-D7CC9C9722D8}" type="datetimeFigureOut">
               <a:rPr lang="en-US" smtClean="0"/>
-              <a:t>1/6/2022</a:t>
+              <a:t>1/7/2022</a:t>
             </a:fld>
             <a:endParaRPr lang="en-US"/>
           </a:p>
@@ -2973,116 +2984,6 @@
       </p:grpSpPr>
       <p:sp>
         <p:nvSpPr>
-          <p:cNvPr id="4" name="Rectangle 3">
-            <a:extLst>
-              <a:ext uri="{FF2B5EF4-FFF2-40B4-BE49-F238E27FC236}">
-                <a16:creationId xmlns:a16="http://schemas.microsoft.com/office/drawing/2014/main" id="{E2CD8222-1C60-4777-B1E2-C37762966D3A}"/>
-              </a:ext>
-            </a:extLst>
-          </p:cNvPr>
-          <p:cNvSpPr/>
-          <p:nvPr/>
-        </p:nvSpPr>
-        <p:spPr>
-          <a:xfrm>
-            <a:off x="2116526" y="1432854"/>
-            <a:ext cx="1174750" cy="826409"/>
-          </a:xfrm>
-          <a:prstGeom prst="rect">
-            <a:avLst/>
-          </a:prstGeom>
-          <a:noFill/>
-          <a:ln>
-            <a:solidFill>
-              <a:schemeClr val="bg2">
-                <a:lumMod val="75000"/>
-              </a:schemeClr>
-            </a:solidFill>
-            <a:prstDash val="lgDash"/>
-          </a:ln>
-        </p:spPr>
-        <p:style>
-          <a:lnRef idx="2">
-            <a:schemeClr val="accent1">
-              <a:shade val="50000"/>
-            </a:schemeClr>
-          </a:lnRef>
-          <a:fillRef idx="1">
-            <a:schemeClr val="accent1"/>
-          </a:fillRef>
-          <a:effectRef idx="0">
-            <a:schemeClr val="accent1"/>
-          </a:effectRef>
-          <a:fontRef idx="minor">
-            <a:schemeClr val="lt1"/>
-          </a:fontRef>
-        </p:style>
-        <p:txBody>
-          <a:bodyPr rtlCol="0" anchor="ctr"/>
-          <a:lstStyle/>
-          <a:p>
-            <a:pPr algn="ctr"/>
-            <a:endParaRPr lang="en-US"/>
-          </a:p>
-        </p:txBody>
-      </p:sp>
-      <p:sp>
-        <p:nvSpPr>
-          <p:cNvPr id="5" name="Rectangle 4">
-            <a:extLst>
-              <a:ext uri="{FF2B5EF4-FFF2-40B4-BE49-F238E27FC236}">
-                <a16:creationId xmlns:a16="http://schemas.microsoft.com/office/drawing/2014/main" id="{64684120-F5FB-42B5-A61F-38527914B029}"/>
-              </a:ext>
-            </a:extLst>
-          </p:cNvPr>
-          <p:cNvSpPr/>
-          <p:nvPr/>
-        </p:nvSpPr>
-        <p:spPr>
-          <a:xfrm>
-            <a:off x="3375413" y="1432852"/>
-            <a:ext cx="1426818" cy="2670141"/>
-          </a:xfrm>
-          <a:prstGeom prst="rect">
-            <a:avLst/>
-          </a:prstGeom>
-          <a:noFill/>
-          <a:ln>
-            <a:solidFill>
-              <a:schemeClr val="bg2">
-                <a:lumMod val="75000"/>
-              </a:schemeClr>
-            </a:solidFill>
-            <a:prstDash val="lgDash"/>
-          </a:ln>
-        </p:spPr>
-        <p:style>
-          <a:lnRef idx="2">
-            <a:schemeClr val="accent1">
-              <a:shade val="50000"/>
-            </a:schemeClr>
-          </a:lnRef>
-          <a:fillRef idx="1">
-            <a:schemeClr val="accent1"/>
-          </a:fillRef>
-          <a:effectRef idx="0">
-            <a:schemeClr val="accent1"/>
-          </a:effectRef>
-          <a:fontRef idx="minor">
-            <a:schemeClr val="lt1"/>
-          </a:fontRef>
-        </p:style>
-        <p:txBody>
-          <a:bodyPr rtlCol="0" anchor="ctr"/>
-          <a:lstStyle/>
-          <a:p>
-            <a:pPr algn="ctr"/>
-            <a:endParaRPr lang="en-US"/>
-          </a:p>
-        </p:txBody>
-      </p:sp>
-      <p:sp>
-        <p:nvSpPr>
           <p:cNvPr id="9" name="TextBox 8">
             <a:extLst>
               <a:ext uri="{FF2B5EF4-FFF2-40B4-BE49-F238E27FC236}">
@@ -3117,780 +3018,492 @@
           </a:p>
         </p:txBody>
       </p:sp>
-      <p:cxnSp>
-        <p:nvCxnSpPr>
-          <p:cNvPr id="15" name="Straight Arrow Connector 14">
-            <a:extLst>
-              <a:ext uri="{FF2B5EF4-FFF2-40B4-BE49-F238E27FC236}">
-                <a16:creationId xmlns:a16="http://schemas.microsoft.com/office/drawing/2014/main" id="{92A0CBA7-B0D1-4D46-A784-38387A4B45CA}"/>
-              </a:ext>
-            </a:extLst>
-          </p:cNvPr>
-          <p:cNvCxnSpPr>
-            <a:cxnSpLocks/>
-          </p:cNvCxnSpPr>
-          <p:nvPr/>
-        </p:nvCxnSpPr>
-        <p:spPr>
-          <a:xfrm>
-            <a:off x="4957314" y="1514974"/>
-            <a:ext cx="352425" cy="0"/>
-          </a:xfrm>
-          <a:prstGeom prst="straightConnector1">
-            <a:avLst/>
-          </a:prstGeom>
-          <a:ln w="28575">
-            <a:solidFill>
-              <a:schemeClr val="accent6"/>
-            </a:solidFill>
-            <a:headEnd type="triangle"/>
-            <a:tailEnd type="triangle"/>
-          </a:ln>
-        </p:spPr>
-        <p:style>
-          <a:lnRef idx="1">
-            <a:schemeClr val="accent1"/>
-          </a:lnRef>
-          <a:fillRef idx="0">
-            <a:schemeClr val="accent1"/>
-          </a:fillRef>
-          <a:effectRef idx="0">
-            <a:schemeClr val="accent1"/>
-          </a:effectRef>
-          <a:fontRef idx="minor">
-            <a:schemeClr val="tx1"/>
-          </a:fontRef>
-        </p:style>
-      </p:cxnSp>
-      <p:cxnSp>
-        <p:nvCxnSpPr>
-          <p:cNvPr id="17" name="Straight Arrow Connector 16">
-            <a:extLst>
-              <a:ext uri="{FF2B5EF4-FFF2-40B4-BE49-F238E27FC236}">
-                <a16:creationId xmlns:a16="http://schemas.microsoft.com/office/drawing/2014/main" id="{5855CFDF-FC03-4DA7-AC69-B2CDDD3FB9A9}"/>
-              </a:ext>
-            </a:extLst>
-          </p:cNvPr>
-          <p:cNvCxnSpPr>
-            <a:cxnSpLocks/>
-          </p:cNvCxnSpPr>
-          <p:nvPr/>
-        </p:nvCxnSpPr>
-        <p:spPr>
-          <a:xfrm>
-            <a:off x="4957313" y="1648983"/>
-            <a:ext cx="352425" cy="0"/>
-          </a:xfrm>
-          <a:prstGeom prst="straightConnector1">
-            <a:avLst/>
-          </a:prstGeom>
-          <a:ln w="28575">
-            <a:solidFill>
-              <a:schemeClr val="accent2">
-                <a:lumMod val="75000"/>
-              </a:schemeClr>
-            </a:solidFill>
-            <a:headEnd type="triangle"/>
-            <a:tailEnd type="triangle"/>
-          </a:ln>
-        </p:spPr>
-        <p:style>
-          <a:lnRef idx="1">
-            <a:schemeClr val="accent1"/>
-          </a:lnRef>
-          <a:fillRef idx="0">
-            <a:schemeClr val="accent1"/>
-          </a:fillRef>
-          <a:effectRef idx="0">
-            <a:schemeClr val="accent1"/>
-          </a:effectRef>
-          <a:fontRef idx="minor">
-            <a:schemeClr val="tx1"/>
-          </a:fontRef>
-        </p:style>
-      </p:cxnSp>
-      <p:sp>
-        <p:nvSpPr>
-          <p:cNvPr id="42" name="TextBox 41">
-            <a:extLst>
-              <a:ext uri="{FF2B5EF4-FFF2-40B4-BE49-F238E27FC236}">
-                <a16:creationId xmlns:a16="http://schemas.microsoft.com/office/drawing/2014/main" id="{BB009579-6AD8-4F9A-9B1D-E14C7537EF43}"/>
-              </a:ext>
-            </a:extLst>
-          </p:cNvPr>
-          <p:cNvSpPr txBox="1"/>
-          <p:nvPr/>
-        </p:nvSpPr>
-        <p:spPr>
-          <a:xfrm>
-            <a:off x="5309739" y="1432456"/>
-            <a:ext cx="191325" cy="165036"/>
-          </a:xfrm>
-          <a:prstGeom prst="rect">
-            <a:avLst/>
-          </a:prstGeom>
-          <a:noFill/>
-        </p:spPr>
-        <p:txBody>
-          <a:bodyPr wrap="square" lIns="36000" tIns="36000" rIns="36000" bIns="36000" rtlCol="0">
-            <a:spAutoFit/>
-          </a:bodyPr>
-          <a:lstStyle/>
-          <a:p>
-            <a:r>
-              <a:rPr lang="pt-BR" sz="600" dirty="0"/>
-              <a:t>TCP</a:t>
-            </a:r>
-            <a:endParaRPr lang="en-US" sz="600" dirty="0"/>
-          </a:p>
-        </p:txBody>
-      </p:sp>
-      <p:sp>
-        <p:nvSpPr>
-          <p:cNvPr id="43" name="TextBox 42">
-            <a:extLst>
-              <a:ext uri="{FF2B5EF4-FFF2-40B4-BE49-F238E27FC236}">
-                <a16:creationId xmlns:a16="http://schemas.microsoft.com/office/drawing/2014/main" id="{F7BF4D7A-6679-4610-9547-D8D12813D0A4}"/>
-              </a:ext>
-            </a:extLst>
-          </p:cNvPr>
-          <p:cNvSpPr txBox="1"/>
-          <p:nvPr/>
-        </p:nvSpPr>
-        <p:spPr>
-          <a:xfrm>
-            <a:off x="5309739" y="1566465"/>
-            <a:ext cx="422158" cy="165036"/>
-          </a:xfrm>
-          <a:prstGeom prst="rect">
-            <a:avLst/>
-          </a:prstGeom>
-          <a:noFill/>
-        </p:spPr>
-        <p:txBody>
-          <a:bodyPr wrap="none" lIns="36000" tIns="36000" rIns="36000" bIns="36000" rtlCol="0">
-            <a:spAutoFit/>
-          </a:bodyPr>
-          <a:lstStyle/>
-          <a:p>
-            <a:r>
-              <a:rPr lang="pt-BR" sz="600" dirty="0"/>
-              <a:t>Serial COM</a:t>
-            </a:r>
-            <a:endParaRPr lang="en-US" sz="600" dirty="0"/>
-          </a:p>
-        </p:txBody>
-      </p:sp>
-      <p:sp>
-        <p:nvSpPr>
-          <p:cNvPr id="45" name="TextBox 44">
-            <a:extLst>
-              <a:ext uri="{FF2B5EF4-FFF2-40B4-BE49-F238E27FC236}">
-                <a16:creationId xmlns:a16="http://schemas.microsoft.com/office/drawing/2014/main" id="{8A6A2DD8-4B8E-4A52-92B8-05920809D013}"/>
-              </a:ext>
-            </a:extLst>
-          </p:cNvPr>
-          <p:cNvSpPr txBox="1"/>
-          <p:nvPr/>
-        </p:nvSpPr>
-        <p:spPr>
-          <a:xfrm>
-            <a:off x="2116527" y="2094625"/>
-            <a:ext cx="356435" cy="165036"/>
-          </a:xfrm>
-          <a:prstGeom prst="rect">
-            <a:avLst/>
-          </a:prstGeom>
-          <a:noFill/>
-          <a:ln w="12700">
-            <a:solidFill>
-              <a:schemeClr val="bg2">
-                <a:lumMod val="75000"/>
-              </a:schemeClr>
-            </a:solidFill>
-          </a:ln>
-        </p:spPr>
-        <p:txBody>
-          <a:bodyPr wrap="none" lIns="36000" tIns="36000" rIns="36000" bIns="36000" rtlCol="0">
-            <a:spAutoFit/>
-          </a:bodyPr>
-          <a:lstStyle/>
-          <a:p>
-            <a:r>
-              <a:rPr lang="pt-BR" sz="600" dirty="0"/>
-              <a:t>AnkleBot</a:t>
-            </a:r>
-            <a:endParaRPr lang="en-US" sz="600" dirty="0"/>
-          </a:p>
-        </p:txBody>
-      </p:sp>
-      <p:sp>
-        <p:nvSpPr>
-          <p:cNvPr id="49" name="TextBox 48">
-            <a:extLst>
-              <a:ext uri="{FF2B5EF4-FFF2-40B4-BE49-F238E27FC236}">
-                <a16:creationId xmlns:a16="http://schemas.microsoft.com/office/drawing/2014/main" id="{11B0E9FA-2B25-46DC-99AC-F1466D46FF8D}"/>
-              </a:ext>
-            </a:extLst>
-          </p:cNvPr>
-          <p:cNvSpPr txBox="1"/>
-          <p:nvPr/>
-        </p:nvSpPr>
-        <p:spPr>
-          <a:xfrm>
-            <a:off x="3375414" y="3938359"/>
-            <a:ext cx="197737" cy="165036"/>
-          </a:xfrm>
-          <a:prstGeom prst="rect">
-            <a:avLst/>
-          </a:prstGeom>
-          <a:noFill/>
-          <a:ln w="12700">
-            <a:solidFill>
-              <a:schemeClr val="bg2">
-                <a:lumMod val="75000"/>
-              </a:schemeClr>
-            </a:solidFill>
-          </a:ln>
-        </p:spPr>
-        <p:txBody>
-          <a:bodyPr wrap="none" lIns="36000" tIns="36000" rIns="36000" bIns="36000" rtlCol="0">
-            <a:spAutoFit/>
-          </a:bodyPr>
-          <a:lstStyle/>
-          <a:p>
-            <a:r>
-              <a:rPr lang="pt-BR" sz="600" dirty="0"/>
-              <a:t>App</a:t>
-            </a:r>
-            <a:endParaRPr lang="en-US" sz="600" dirty="0"/>
-          </a:p>
-        </p:txBody>
-      </p:sp>
-      <p:cxnSp>
-        <p:nvCxnSpPr>
-          <p:cNvPr id="55" name="Straight Arrow Connector 54">
-            <a:extLst>
-              <a:ext uri="{FF2B5EF4-FFF2-40B4-BE49-F238E27FC236}">
-                <a16:creationId xmlns:a16="http://schemas.microsoft.com/office/drawing/2014/main" id="{2FBF741E-4BA8-4D25-9DF1-77358480C098}"/>
-              </a:ext>
-            </a:extLst>
-          </p:cNvPr>
-          <p:cNvCxnSpPr>
-            <a:cxnSpLocks/>
-          </p:cNvCxnSpPr>
-          <p:nvPr/>
-        </p:nvCxnSpPr>
-        <p:spPr>
-          <a:xfrm>
-            <a:off x="3133673" y="1514974"/>
-            <a:ext cx="407016" cy="0"/>
-          </a:xfrm>
-          <a:prstGeom prst="straightConnector1">
-            <a:avLst/>
-          </a:prstGeom>
-          <a:ln w="28575">
-            <a:solidFill>
-              <a:schemeClr val="accent6"/>
-            </a:solidFill>
-            <a:headEnd type="triangle"/>
-            <a:tailEnd type="triangle"/>
-          </a:ln>
-        </p:spPr>
-        <p:style>
-          <a:lnRef idx="1">
-            <a:schemeClr val="accent1"/>
-          </a:lnRef>
-          <a:fillRef idx="0">
-            <a:schemeClr val="accent1"/>
-          </a:fillRef>
-          <a:effectRef idx="0">
-            <a:schemeClr val="accent1"/>
-          </a:effectRef>
-          <a:fontRef idx="minor">
-            <a:schemeClr val="tx1"/>
-          </a:fontRef>
-        </p:style>
-      </p:cxnSp>
-      <p:sp>
-        <p:nvSpPr>
-          <p:cNvPr id="61" name="Rectangle 60">
-            <a:extLst>
-              <a:ext uri="{FF2B5EF4-FFF2-40B4-BE49-F238E27FC236}">
-                <a16:creationId xmlns:a16="http://schemas.microsoft.com/office/drawing/2014/main" id="{6430E441-C019-4231-BEED-19BE5253F2FD}"/>
-              </a:ext>
-            </a:extLst>
-          </p:cNvPr>
-          <p:cNvSpPr/>
-          <p:nvPr/>
-        </p:nvSpPr>
-        <p:spPr>
-          <a:xfrm>
-            <a:off x="2110910" y="2345469"/>
-            <a:ext cx="1174750" cy="826409"/>
-          </a:xfrm>
-          <a:prstGeom prst="rect">
-            <a:avLst/>
-          </a:prstGeom>
-          <a:noFill/>
-          <a:ln>
-            <a:solidFill>
-              <a:schemeClr val="bg2">
-                <a:lumMod val="75000"/>
-              </a:schemeClr>
-            </a:solidFill>
-            <a:prstDash val="lgDash"/>
-          </a:ln>
-        </p:spPr>
-        <p:style>
-          <a:lnRef idx="2">
-            <a:schemeClr val="accent1">
-              <a:shade val="50000"/>
-            </a:schemeClr>
-          </a:lnRef>
-          <a:fillRef idx="1">
-            <a:schemeClr val="accent1"/>
-          </a:fillRef>
-          <a:effectRef idx="0">
-            <a:schemeClr val="accent1"/>
-          </a:effectRef>
-          <a:fontRef idx="minor">
-            <a:schemeClr val="lt1"/>
-          </a:fontRef>
-        </p:style>
-        <p:txBody>
-          <a:bodyPr rtlCol="0" anchor="ctr"/>
-          <a:lstStyle/>
-          <a:p>
-            <a:pPr algn="ctr"/>
-            <a:endParaRPr lang="en-US"/>
-          </a:p>
-        </p:txBody>
-      </p:sp>
-      <p:sp>
-        <p:nvSpPr>
-          <p:cNvPr id="63" name="TextBox 62">
-            <a:extLst>
-              <a:ext uri="{FF2B5EF4-FFF2-40B4-BE49-F238E27FC236}">
-                <a16:creationId xmlns:a16="http://schemas.microsoft.com/office/drawing/2014/main" id="{D1CC5EF0-0B58-4C10-8F18-D0B928E96329}"/>
-              </a:ext>
-            </a:extLst>
-          </p:cNvPr>
-          <p:cNvSpPr txBox="1"/>
-          <p:nvPr/>
-        </p:nvSpPr>
-        <p:spPr>
-          <a:xfrm>
-            <a:off x="2110911" y="3007240"/>
-            <a:ext cx="257049" cy="165036"/>
-          </a:xfrm>
-          <a:prstGeom prst="rect">
-            <a:avLst/>
-          </a:prstGeom>
-          <a:noFill/>
-          <a:ln w="12700">
-            <a:solidFill>
-              <a:schemeClr val="bg2">
-                <a:lumMod val="75000"/>
-              </a:schemeClr>
-            </a:solidFill>
-          </a:ln>
-        </p:spPr>
-        <p:txBody>
-          <a:bodyPr wrap="none" lIns="36000" tIns="36000" rIns="36000" bIns="36000" rtlCol="0">
-            <a:spAutoFit/>
-          </a:bodyPr>
-          <a:lstStyle/>
-          <a:p>
-            <a:r>
-              <a:rPr lang="pt-BR" sz="600" dirty="0"/>
-              <a:t>Game</a:t>
-            </a:r>
-            <a:endParaRPr lang="en-US" sz="600" dirty="0"/>
-          </a:p>
-        </p:txBody>
-      </p:sp>
-      <p:cxnSp>
-        <p:nvCxnSpPr>
-          <p:cNvPr id="72" name="Straight Arrow Connector 71">
-            <a:extLst>
-              <a:ext uri="{FF2B5EF4-FFF2-40B4-BE49-F238E27FC236}">
-                <a16:creationId xmlns:a16="http://schemas.microsoft.com/office/drawing/2014/main" id="{CFE129BF-5196-4141-A859-A3671E56369F}"/>
-              </a:ext>
-            </a:extLst>
-          </p:cNvPr>
-          <p:cNvCxnSpPr>
-            <a:cxnSpLocks/>
-          </p:cNvCxnSpPr>
-          <p:nvPr/>
-        </p:nvCxnSpPr>
-        <p:spPr>
-          <a:xfrm>
-            <a:off x="3133673" y="2414511"/>
-            <a:ext cx="407016" cy="0"/>
-          </a:xfrm>
-          <a:prstGeom prst="straightConnector1">
-            <a:avLst/>
-          </a:prstGeom>
-          <a:ln w="28575">
-            <a:solidFill>
-              <a:schemeClr val="accent6"/>
-            </a:solidFill>
-            <a:headEnd type="triangle"/>
-            <a:tailEnd type="triangle"/>
-          </a:ln>
-        </p:spPr>
-        <p:style>
-          <a:lnRef idx="1">
-            <a:schemeClr val="accent1"/>
-          </a:lnRef>
-          <a:fillRef idx="0">
-            <a:schemeClr val="accent1"/>
-          </a:fillRef>
-          <a:effectRef idx="0">
-            <a:schemeClr val="accent1"/>
-          </a:effectRef>
-          <a:fontRef idx="minor">
-            <a:schemeClr val="tx1"/>
-          </a:fontRef>
-        </p:style>
-      </p:cxnSp>
-      <p:cxnSp>
-        <p:nvCxnSpPr>
-          <p:cNvPr id="74" name="Straight Arrow Connector 73">
-            <a:extLst>
-              <a:ext uri="{FF2B5EF4-FFF2-40B4-BE49-F238E27FC236}">
-                <a16:creationId xmlns:a16="http://schemas.microsoft.com/office/drawing/2014/main" id="{19E35698-F8BB-4283-9FAA-0CBE6573C7FB}"/>
-              </a:ext>
-            </a:extLst>
-          </p:cNvPr>
-          <p:cNvCxnSpPr>
-            <a:cxnSpLocks/>
-          </p:cNvCxnSpPr>
-          <p:nvPr/>
-        </p:nvCxnSpPr>
-        <p:spPr>
-          <a:xfrm>
-            <a:off x="3133673" y="3350680"/>
-            <a:ext cx="407016" cy="0"/>
-          </a:xfrm>
-          <a:prstGeom prst="straightConnector1">
-            <a:avLst/>
-          </a:prstGeom>
-          <a:ln w="28575">
-            <a:solidFill>
-              <a:schemeClr val="accent2">
-                <a:lumMod val="75000"/>
-              </a:schemeClr>
-            </a:solidFill>
-            <a:headEnd type="triangle"/>
-            <a:tailEnd type="triangle"/>
-          </a:ln>
-        </p:spPr>
-        <p:style>
-          <a:lnRef idx="1">
-            <a:schemeClr val="accent1"/>
-          </a:lnRef>
-          <a:fillRef idx="0">
-            <a:schemeClr val="accent1"/>
-          </a:fillRef>
-          <a:effectRef idx="0">
-            <a:schemeClr val="accent1"/>
-          </a:effectRef>
-          <a:fontRef idx="minor">
-            <a:schemeClr val="tx1"/>
-          </a:fontRef>
-        </p:style>
-      </p:cxnSp>
-      <p:pic>
-        <p:nvPicPr>
-          <p:cNvPr id="77" name="Graphic 76" descr="Document">
-            <a:extLst>
-              <a:ext uri="{FF2B5EF4-FFF2-40B4-BE49-F238E27FC236}">
-                <a16:creationId xmlns:a16="http://schemas.microsoft.com/office/drawing/2014/main" id="{5D97F4A4-B7A1-421E-937E-0550B75A1C9F}"/>
-              </a:ext>
-            </a:extLst>
-          </p:cNvPr>
-          <p:cNvPicPr>
-            <a:picLocks noChangeAspect="1"/>
-          </p:cNvPicPr>
-          <p:nvPr/>
-        </p:nvPicPr>
-        <p:blipFill>
-          <a:blip r:embed="rId2">
-            <a:extLst>
-              <a:ext uri="{28A0092B-C50C-407E-A947-70E740481C1C}">
-                <a14:useLocalDpi xmlns:a14="http://schemas.microsoft.com/office/drawing/2010/main" val="0"/>
-              </a:ext>
-              <a:ext uri="{96DAC541-7B7A-43D3-8B79-37D633B846F1}">
-                <asvg:svgBlip xmlns:asvg="http://schemas.microsoft.com/office/drawing/2016/SVG/main" r:embed="rId3"/>
-              </a:ext>
-            </a:extLst>
-          </a:blip>
-          <a:stretch>
-            <a:fillRect/>
-          </a:stretch>
-        </p:blipFill>
-        <p:spPr>
-          <a:xfrm>
-            <a:off x="5033064" y="1782992"/>
-            <a:ext cx="200922" cy="200922"/>
-          </a:xfrm>
-          <a:prstGeom prst="rect">
-            <a:avLst/>
-          </a:prstGeom>
-        </p:spPr>
-      </p:pic>
-      <p:sp>
-        <p:nvSpPr>
-          <p:cNvPr id="78" name="TextBox 77">
-            <a:extLst>
-              <a:ext uri="{FF2B5EF4-FFF2-40B4-BE49-F238E27FC236}">
-                <a16:creationId xmlns:a16="http://schemas.microsoft.com/office/drawing/2014/main" id="{2FBB0471-1D96-4B3A-AB0E-B33495A66635}"/>
-              </a:ext>
-            </a:extLst>
-          </p:cNvPr>
-          <p:cNvSpPr txBox="1"/>
-          <p:nvPr/>
-        </p:nvSpPr>
-        <p:spPr>
-          <a:xfrm>
-            <a:off x="5296532" y="1800935"/>
-            <a:ext cx="375671" cy="165036"/>
-          </a:xfrm>
-          <a:prstGeom prst="rect">
-            <a:avLst/>
-          </a:prstGeom>
-          <a:noFill/>
-        </p:spPr>
-        <p:txBody>
-          <a:bodyPr wrap="none" lIns="36000" tIns="36000" rIns="36000" bIns="36000" rtlCol="0">
-            <a:spAutoFit/>
-          </a:bodyPr>
-          <a:lstStyle/>
-          <a:p>
-            <a:r>
-              <a:rPr lang="en-US" sz="600"/>
-              <a:t>Save Logs</a:t>
-            </a:r>
-          </a:p>
-        </p:txBody>
-      </p:sp>
-      <p:sp>
-        <p:nvSpPr>
-          <p:cNvPr id="79" name="Rectangle 78">
-            <a:extLst>
-              <a:ext uri="{FF2B5EF4-FFF2-40B4-BE49-F238E27FC236}">
-                <a16:creationId xmlns:a16="http://schemas.microsoft.com/office/drawing/2014/main" id="{D1A676A6-6A37-4B1F-90F8-EC0DA5FDC7A3}"/>
-              </a:ext>
-            </a:extLst>
-          </p:cNvPr>
-          <p:cNvSpPr/>
-          <p:nvPr/>
-        </p:nvSpPr>
-        <p:spPr>
-          <a:xfrm>
-            <a:off x="2110910" y="3276588"/>
-            <a:ext cx="1174750" cy="826409"/>
-          </a:xfrm>
-          <a:prstGeom prst="rect">
-            <a:avLst/>
-          </a:prstGeom>
-          <a:noFill/>
-          <a:ln>
-            <a:solidFill>
-              <a:schemeClr val="bg2">
-                <a:lumMod val="75000"/>
-              </a:schemeClr>
-            </a:solidFill>
-            <a:prstDash val="lgDash"/>
-          </a:ln>
-        </p:spPr>
-        <p:style>
-          <a:lnRef idx="2">
-            <a:schemeClr val="accent1">
-              <a:shade val="50000"/>
-            </a:schemeClr>
-          </a:lnRef>
-          <a:fillRef idx="1">
-            <a:schemeClr val="accent1"/>
-          </a:fillRef>
-          <a:effectRef idx="0">
-            <a:schemeClr val="accent1"/>
-          </a:effectRef>
-          <a:fontRef idx="minor">
-            <a:schemeClr val="lt1"/>
-          </a:fontRef>
-        </p:style>
-        <p:txBody>
-          <a:bodyPr rtlCol="0" anchor="ctr"/>
-          <a:lstStyle/>
-          <a:p>
-            <a:pPr algn="ctr"/>
-            <a:endParaRPr lang="en-US"/>
-          </a:p>
-        </p:txBody>
-      </p:sp>
-      <p:sp>
-        <p:nvSpPr>
-          <p:cNvPr id="80" name="TextBox 79">
-            <a:extLst>
-              <a:ext uri="{FF2B5EF4-FFF2-40B4-BE49-F238E27FC236}">
-                <a16:creationId xmlns:a16="http://schemas.microsoft.com/office/drawing/2014/main" id="{DF14D9E4-624F-42EC-A799-D14B3D6C2468}"/>
-              </a:ext>
-            </a:extLst>
-          </p:cNvPr>
-          <p:cNvSpPr txBox="1"/>
-          <p:nvPr/>
-        </p:nvSpPr>
-        <p:spPr>
-          <a:xfrm>
-            <a:off x="2110911" y="3938359"/>
-            <a:ext cx="180105" cy="165036"/>
-          </a:xfrm>
-          <a:prstGeom prst="rect">
-            <a:avLst/>
-          </a:prstGeom>
-          <a:noFill/>
-          <a:ln w="12700">
-            <a:solidFill>
-              <a:schemeClr val="bg2">
-                <a:lumMod val="75000"/>
-              </a:schemeClr>
-            </a:solidFill>
-          </a:ln>
-        </p:spPr>
-        <p:txBody>
-          <a:bodyPr wrap="none" lIns="36000" tIns="36000" rIns="36000" bIns="36000" rtlCol="0">
-            <a:spAutoFit/>
-          </a:bodyPr>
-          <a:lstStyle/>
-          <a:p>
-            <a:r>
-              <a:rPr lang="pt-BR" sz="600" dirty="0"/>
-              <a:t>FES</a:t>
-            </a:r>
-            <a:endParaRPr lang="en-US" sz="600" dirty="0"/>
-          </a:p>
-        </p:txBody>
-      </p:sp>
-      <p:pic>
-        <p:nvPicPr>
-          <p:cNvPr id="82" name="Graphic 81" descr="Document">
-            <a:extLst>
-              <a:ext uri="{FF2B5EF4-FFF2-40B4-BE49-F238E27FC236}">
-                <a16:creationId xmlns:a16="http://schemas.microsoft.com/office/drawing/2014/main" id="{98A256B5-94B1-47F3-9AB5-FDFC9D812389}"/>
-              </a:ext>
-            </a:extLst>
-          </p:cNvPr>
-          <p:cNvPicPr>
-            <a:picLocks noChangeAspect="1"/>
-          </p:cNvPicPr>
-          <p:nvPr/>
-        </p:nvPicPr>
-        <p:blipFill>
-          <a:blip r:embed="rId2">
-            <a:extLst>
-              <a:ext uri="{28A0092B-C50C-407E-A947-70E740481C1C}">
-                <a14:useLocalDpi xmlns:a14="http://schemas.microsoft.com/office/drawing/2010/main" val="0"/>
-              </a:ext>
-              <a:ext uri="{96DAC541-7B7A-43D3-8B79-37D633B846F1}">
-                <asvg:svgBlip xmlns:asvg="http://schemas.microsoft.com/office/drawing/2016/SVG/main" r:embed="rId3"/>
-              </a:ext>
-            </a:extLst>
-          </a:blip>
-          <a:stretch>
-            <a:fillRect/>
-          </a:stretch>
-        </p:blipFill>
-        <p:spPr>
-          <a:xfrm>
-            <a:off x="2100502" y="2340315"/>
-            <a:ext cx="200922" cy="200922"/>
-          </a:xfrm>
-          <a:prstGeom prst="rect">
-            <a:avLst/>
-          </a:prstGeom>
-        </p:spPr>
-      </p:pic>
-      <p:pic>
-        <p:nvPicPr>
-          <p:cNvPr id="83" name="Graphic 82" descr="Document">
-            <a:extLst>
-              <a:ext uri="{FF2B5EF4-FFF2-40B4-BE49-F238E27FC236}">
-                <a16:creationId xmlns:a16="http://schemas.microsoft.com/office/drawing/2014/main" id="{CF66D9FC-38B3-4FD2-80A9-FB2F35A92F5C}"/>
-              </a:ext>
-            </a:extLst>
-          </p:cNvPr>
-          <p:cNvPicPr>
-            <a:picLocks noChangeAspect="1"/>
-          </p:cNvPicPr>
-          <p:nvPr/>
-        </p:nvPicPr>
-        <p:blipFill>
-          <a:blip r:embed="rId2">
-            <a:extLst>
-              <a:ext uri="{28A0092B-C50C-407E-A947-70E740481C1C}">
-                <a14:useLocalDpi xmlns:a14="http://schemas.microsoft.com/office/drawing/2010/main" val="0"/>
-              </a:ext>
-              <a:ext uri="{96DAC541-7B7A-43D3-8B79-37D633B846F1}">
-                <asvg:svgBlip xmlns:asvg="http://schemas.microsoft.com/office/drawing/2016/SVG/main" r:embed="rId3"/>
-              </a:ext>
-            </a:extLst>
-          </a:blip>
-          <a:stretch>
-            <a:fillRect/>
-          </a:stretch>
-        </p:blipFill>
-        <p:spPr>
-          <a:xfrm>
-            <a:off x="2100502" y="3276190"/>
-            <a:ext cx="200922" cy="200922"/>
-          </a:xfrm>
-          <a:prstGeom prst="rect">
-            <a:avLst/>
-          </a:prstGeom>
-        </p:spPr>
-      </p:pic>
-      <p:pic>
-        <p:nvPicPr>
-          <p:cNvPr id="84" name="Graphic 83" descr="Document">
-            <a:extLst>
-              <a:ext uri="{FF2B5EF4-FFF2-40B4-BE49-F238E27FC236}">
-                <a16:creationId xmlns:a16="http://schemas.microsoft.com/office/drawing/2014/main" id="{DF2F9F48-E18D-4AE9-9838-E2208E34DFFF}"/>
-              </a:ext>
-            </a:extLst>
-          </p:cNvPr>
-          <p:cNvPicPr>
-            <a:picLocks noChangeAspect="1"/>
-          </p:cNvPicPr>
-          <p:nvPr/>
-        </p:nvPicPr>
-        <p:blipFill>
-          <a:blip r:embed="rId2">
-            <a:extLst>
-              <a:ext uri="{28A0092B-C50C-407E-A947-70E740481C1C}">
-                <a14:useLocalDpi xmlns:a14="http://schemas.microsoft.com/office/drawing/2010/main" val="0"/>
-              </a:ext>
-              <a:ext uri="{96DAC541-7B7A-43D3-8B79-37D633B846F1}">
-                <asvg:svgBlip xmlns:asvg="http://schemas.microsoft.com/office/drawing/2016/SVG/main" r:embed="rId3"/>
-              </a:ext>
-            </a:extLst>
-          </a:blip>
-          <a:stretch>
-            <a:fillRect/>
-          </a:stretch>
-        </p:blipFill>
-        <p:spPr>
-          <a:xfrm>
-            <a:off x="2100502" y="1432456"/>
-            <a:ext cx="200922" cy="200922"/>
-          </a:xfrm>
-          <a:prstGeom prst="rect">
-            <a:avLst/>
-          </a:prstGeom>
-        </p:spPr>
-      </p:pic>
+      <mc:AlternateContent xmlns:mc="http://schemas.openxmlformats.org/markup-compatibility/2006">
+        <mc:Choice xmlns:a14="http://schemas.microsoft.com/office/drawing/2010/main" Requires="a14">
+          <p:sp>
+            <p:nvSpPr>
+              <p:cNvPr id="2" name="TextBox 1">
+                <a:extLst>
+                  <a:ext uri="{FF2B5EF4-FFF2-40B4-BE49-F238E27FC236}">
+                    <a16:creationId xmlns:a16="http://schemas.microsoft.com/office/drawing/2014/main" id="{19AF2371-3952-4931-B6A8-00B3DDB6AEDF}"/>
+                  </a:ext>
+                </a:extLst>
+              </p:cNvPr>
+              <p:cNvSpPr txBox="1"/>
+              <p:nvPr/>
+            </p:nvSpPr>
+            <p:spPr>
+              <a:xfrm>
+                <a:off x="1697500" y="1473200"/>
+                <a:ext cx="575799" cy="138499"/>
+              </a:xfrm>
+              <a:prstGeom prst="rect">
+                <a:avLst/>
+              </a:prstGeom>
+              <a:noFill/>
+            </p:spPr>
+            <p:txBody>
+              <a:bodyPr wrap="square" lIns="0" tIns="0" rIns="0" bIns="0" rtlCol="0">
+                <a:spAutoFit/>
+              </a:bodyPr>
+              <a:lstStyle/>
+              <a:p>
+                <a:pPr/>
+                <a14:m>
+                  <m:oMathPara xmlns:m="http://schemas.openxmlformats.org/officeDocument/2006/math">
+                    <m:oMathParaPr>
+                      <m:jc m:val="right"/>
+                    </m:oMathParaPr>
+                    <m:oMath xmlns:m="http://schemas.openxmlformats.org/officeDocument/2006/math">
+                      <m:r>
+                        <a:rPr lang="pt-BR" sz="900" b="0" i="1" smtClean="0">
+                          <a:latin typeface="Cambria Math" panose="02040503050406030204" pitchFamily="18" charset="0"/>
+                        </a:rPr>
+                        <m:t>𝐹𝑜𝑟𝑐𝑒</m:t>
+                      </m:r>
+                    </m:oMath>
+                  </m:oMathPara>
+                </a14:m>
+                <a:endParaRPr lang="en-US" sz="900" dirty="0"/>
+              </a:p>
+            </p:txBody>
+          </p:sp>
+        </mc:Choice>
+        <mc:Fallback>
+          <p:sp>
+            <p:nvSpPr>
+              <p:cNvPr id="2" name="TextBox 1">
+                <a:extLst>
+                  <a:ext uri="{FF2B5EF4-FFF2-40B4-BE49-F238E27FC236}">
+                    <a16:creationId xmlns:a16="http://schemas.microsoft.com/office/drawing/2014/main" id="{19AF2371-3952-4931-B6A8-00B3DDB6AEDF}"/>
+                  </a:ext>
+                </a:extLst>
+              </p:cNvPr>
+              <p:cNvSpPr txBox="1">
+                <a:spLocks noRot="1" noChangeAspect="1" noMove="1" noResize="1" noEditPoints="1" noAdjustHandles="1" noChangeArrowheads="1" noChangeShapeType="1" noTextEdit="1"/>
+              </p:cNvSpPr>
+              <p:nvPr/>
+            </p:nvSpPr>
+            <p:spPr>
+              <a:xfrm>
+                <a:off x="1697500" y="1473200"/>
+                <a:ext cx="575799" cy="138499"/>
+              </a:xfrm>
+              <a:prstGeom prst="rect">
+                <a:avLst/>
+              </a:prstGeom>
+              <a:blipFill>
+                <a:blip r:embed="rId2"/>
+                <a:stretch>
+                  <a:fillRect r="-6316" b="-13636"/>
+                </a:stretch>
+              </a:blipFill>
+            </p:spPr>
+            <p:txBody>
+              <a:bodyPr/>
+              <a:lstStyle/>
+              <a:p>
+                <a:r>
+                  <a:rPr lang="en-US">
+                    <a:noFill/>
+                  </a:rPr>
+                  <a:t> </a:t>
+                </a:r>
+              </a:p>
+            </p:txBody>
+          </p:sp>
+        </mc:Fallback>
+      </mc:AlternateContent>
+      <mc:AlternateContent xmlns:mc="http://schemas.openxmlformats.org/markup-compatibility/2006">
+        <mc:Choice xmlns:a14="http://schemas.microsoft.com/office/drawing/2010/main" Requires="a14">
+          <p:sp>
+            <p:nvSpPr>
+              <p:cNvPr id="45" name="TextBox 44">
+                <a:extLst>
+                  <a:ext uri="{FF2B5EF4-FFF2-40B4-BE49-F238E27FC236}">
+                    <a16:creationId xmlns:a16="http://schemas.microsoft.com/office/drawing/2014/main" id="{782F251D-2B86-4EEB-8D95-DB1171C7F170}"/>
+                  </a:ext>
+                </a:extLst>
+              </p:cNvPr>
+              <p:cNvSpPr txBox="1"/>
+              <p:nvPr/>
+            </p:nvSpPr>
+            <p:spPr>
+              <a:xfrm>
+                <a:off x="1697500" y="1649799"/>
+                <a:ext cx="575799" cy="138499"/>
+              </a:xfrm>
+              <a:prstGeom prst="rect">
+                <a:avLst/>
+              </a:prstGeom>
+              <a:noFill/>
+            </p:spPr>
+            <p:txBody>
+              <a:bodyPr wrap="square" lIns="0" tIns="0" rIns="0" bIns="0" rtlCol="0">
+                <a:spAutoFit/>
+              </a:bodyPr>
+              <a:lstStyle/>
+              <a:p>
+                <a:pPr/>
+                <a14:m>
+                  <m:oMathPara xmlns:m="http://schemas.openxmlformats.org/officeDocument/2006/math">
+                    <m:oMathParaPr>
+                      <m:jc m:val="right"/>
+                    </m:oMathParaPr>
+                    <m:oMath xmlns:m="http://schemas.openxmlformats.org/officeDocument/2006/math">
+                      <m:r>
+                        <a:rPr lang="pt-BR" sz="900" b="0" i="1" smtClean="0">
+                          <a:latin typeface="Cambria Math" panose="02040503050406030204" pitchFamily="18" charset="0"/>
+                        </a:rPr>
+                        <m:t>𝑃𝑜𝑠</m:t>
+                      </m:r>
+                    </m:oMath>
+                  </m:oMathPara>
+                </a14:m>
+                <a:endParaRPr lang="en-US" sz="900" dirty="0"/>
+              </a:p>
+            </p:txBody>
+          </p:sp>
+        </mc:Choice>
+        <mc:Fallback>
+          <p:sp>
+            <p:nvSpPr>
+              <p:cNvPr id="45" name="TextBox 44">
+                <a:extLst>
+                  <a:ext uri="{FF2B5EF4-FFF2-40B4-BE49-F238E27FC236}">
+                    <a16:creationId xmlns:a16="http://schemas.microsoft.com/office/drawing/2014/main" id="{782F251D-2B86-4EEB-8D95-DB1171C7F170}"/>
+                  </a:ext>
+                </a:extLst>
+              </p:cNvPr>
+              <p:cNvSpPr txBox="1">
+                <a:spLocks noRot="1" noChangeAspect="1" noMove="1" noResize="1" noEditPoints="1" noAdjustHandles="1" noChangeArrowheads="1" noChangeShapeType="1" noTextEdit="1"/>
+              </p:cNvSpPr>
+              <p:nvPr/>
+            </p:nvSpPr>
+            <p:spPr>
+              <a:xfrm>
+                <a:off x="1697500" y="1649799"/>
+                <a:ext cx="575799" cy="138499"/>
+              </a:xfrm>
+              <a:prstGeom prst="rect">
+                <a:avLst/>
+              </a:prstGeom>
+              <a:blipFill>
+                <a:blip r:embed="rId3"/>
+                <a:stretch>
+                  <a:fillRect r="-7368" b="-13636"/>
+                </a:stretch>
+              </a:blipFill>
+            </p:spPr>
+            <p:txBody>
+              <a:bodyPr/>
+              <a:lstStyle/>
+              <a:p>
+                <a:r>
+                  <a:rPr lang="en-US">
+                    <a:noFill/>
+                  </a:rPr>
+                  <a:t> </a:t>
+                </a:r>
+              </a:p>
+            </p:txBody>
+          </p:sp>
+        </mc:Fallback>
+      </mc:AlternateContent>
+      <mc:AlternateContent xmlns:mc="http://schemas.openxmlformats.org/markup-compatibility/2006">
+        <mc:Choice xmlns:a14="http://schemas.microsoft.com/office/drawing/2010/main" Requires="a14">
+          <p:sp>
+            <p:nvSpPr>
+              <p:cNvPr id="49" name="TextBox 48">
+                <a:extLst>
+                  <a:ext uri="{FF2B5EF4-FFF2-40B4-BE49-F238E27FC236}">
+                    <a16:creationId xmlns:a16="http://schemas.microsoft.com/office/drawing/2014/main" id="{DC559830-287F-4A31-9710-428CEFD0387F}"/>
+                  </a:ext>
+                </a:extLst>
+              </p:cNvPr>
+              <p:cNvSpPr txBox="1"/>
+              <p:nvPr/>
+            </p:nvSpPr>
+            <p:spPr>
+              <a:xfrm>
+                <a:off x="1697500" y="1826398"/>
+                <a:ext cx="575799" cy="138499"/>
+              </a:xfrm>
+              <a:prstGeom prst="rect">
+                <a:avLst/>
+              </a:prstGeom>
+              <a:noFill/>
+            </p:spPr>
+            <p:txBody>
+              <a:bodyPr wrap="square" lIns="0" tIns="0" rIns="0" bIns="0" rtlCol="0">
+                <a:spAutoFit/>
+              </a:bodyPr>
+              <a:lstStyle/>
+              <a:p>
+                <a:pPr/>
+                <a14:m>
+                  <m:oMathPara xmlns:m="http://schemas.openxmlformats.org/officeDocument/2006/math">
+                    <m:oMathParaPr>
+                      <m:jc m:val="right"/>
+                    </m:oMathParaPr>
+                    <m:oMath xmlns:m="http://schemas.openxmlformats.org/officeDocument/2006/math">
+                      <m:r>
+                        <a:rPr lang="pt-BR" sz="900" b="0" i="1" smtClean="0">
+                          <a:latin typeface="Cambria Math" panose="02040503050406030204" pitchFamily="18" charset="0"/>
+                        </a:rPr>
+                        <m:t>𝑉𝑒𝑙</m:t>
+                      </m:r>
+                    </m:oMath>
+                  </m:oMathPara>
+                </a14:m>
+                <a:endParaRPr lang="en-US" sz="900" dirty="0"/>
+              </a:p>
+            </p:txBody>
+          </p:sp>
+        </mc:Choice>
+        <mc:Fallback>
+          <p:sp>
+            <p:nvSpPr>
+              <p:cNvPr id="49" name="TextBox 48">
+                <a:extLst>
+                  <a:ext uri="{FF2B5EF4-FFF2-40B4-BE49-F238E27FC236}">
+                    <a16:creationId xmlns:a16="http://schemas.microsoft.com/office/drawing/2014/main" id="{DC559830-287F-4A31-9710-428CEFD0387F}"/>
+                  </a:ext>
+                </a:extLst>
+              </p:cNvPr>
+              <p:cNvSpPr txBox="1">
+                <a:spLocks noRot="1" noChangeAspect="1" noMove="1" noResize="1" noEditPoints="1" noAdjustHandles="1" noChangeArrowheads="1" noChangeShapeType="1" noTextEdit="1"/>
+              </p:cNvSpPr>
+              <p:nvPr/>
+            </p:nvSpPr>
+            <p:spPr>
+              <a:xfrm>
+                <a:off x="1697500" y="1826398"/>
+                <a:ext cx="575799" cy="138499"/>
+              </a:xfrm>
+              <a:prstGeom prst="rect">
+                <a:avLst/>
+              </a:prstGeom>
+              <a:blipFill>
+                <a:blip r:embed="rId4"/>
+                <a:stretch>
+                  <a:fillRect r="-6316" b="-13636"/>
+                </a:stretch>
+              </a:blipFill>
+            </p:spPr>
+            <p:txBody>
+              <a:bodyPr/>
+              <a:lstStyle/>
+              <a:p>
+                <a:r>
+                  <a:rPr lang="en-US">
+                    <a:noFill/>
+                  </a:rPr>
+                  <a:t> </a:t>
+                </a:r>
+              </a:p>
+            </p:txBody>
+          </p:sp>
+        </mc:Fallback>
+      </mc:AlternateContent>
+      <mc:AlternateContent xmlns:mc="http://schemas.openxmlformats.org/markup-compatibility/2006">
+        <mc:Choice xmlns:a14="http://schemas.microsoft.com/office/drawing/2010/main" Requires="a14">
+          <p:sp>
+            <p:nvSpPr>
+              <p:cNvPr id="63" name="TextBox 62">
+                <a:extLst>
+                  <a:ext uri="{FF2B5EF4-FFF2-40B4-BE49-F238E27FC236}">
+                    <a16:creationId xmlns:a16="http://schemas.microsoft.com/office/drawing/2014/main" id="{C8CBD976-6E6E-4D1E-9E7F-9D3793FAE202}"/>
+                  </a:ext>
+                </a:extLst>
+              </p:cNvPr>
+              <p:cNvSpPr txBox="1"/>
+              <p:nvPr/>
+            </p:nvSpPr>
+            <p:spPr>
+              <a:xfrm>
+                <a:off x="1697499" y="2378848"/>
+                <a:ext cx="575799" cy="138499"/>
+              </a:xfrm>
+              <a:prstGeom prst="rect">
+                <a:avLst/>
+              </a:prstGeom>
+              <a:noFill/>
+            </p:spPr>
+            <p:txBody>
+              <a:bodyPr wrap="square" lIns="0" tIns="0" rIns="0" bIns="0" rtlCol="0">
+                <a:spAutoFit/>
+              </a:bodyPr>
+              <a:lstStyle/>
+              <a:p>
+                <a:pPr/>
+                <a14:m>
+                  <m:oMathPara xmlns:m="http://schemas.openxmlformats.org/officeDocument/2006/math">
+                    <m:oMathParaPr>
+                      <m:jc m:val="right"/>
+                    </m:oMathParaPr>
+                    <m:oMath xmlns:m="http://schemas.openxmlformats.org/officeDocument/2006/math">
+                      <m:r>
+                        <a:rPr lang="pt-BR" sz="900" b="0" i="1" smtClean="0">
+                          <a:latin typeface="Cambria Math" panose="02040503050406030204" pitchFamily="18" charset="0"/>
+                        </a:rPr>
+                        <m:t>𝑅𝑒𝑓</m:t>
+                      </m:r>
+                    </m:oMath>
+                  </m:oMathPara>
+                </a14:m>
+                <a:endParaRPr lang="en-US" sz="900" dirty="0"/>
+              </a:p>
+            </p:txBody>
+          </p:sp>
+        </mc:Choice>
+        <mc:Fallback>
+          <p:sp>
+            <p:nvSpPr>
+              <p:cNvPr id="63" name="TextBox 62">
+                <a:extLst>
+                  <a:ext uri="{FF2B5EF4-FFF2-40B4-BE49-F238E27FC236}">
+                    <a16:creationId xmlns:a16="http://schemas.microsoft.com/office/drawing/2014/main" id="{C8CBD976-6E6E-4D1E-9E7F-9D3793FAE202}"/>
+                  </a:ext>
+                </a:extLst>
+              </p:cNvPr>
+              <p:cNvSpPr txBox="1">
+                <a:spLocks noRot="1" noChangeAspect="1" noMove="1" noResize="1" noEditPoints="1" noAdjustHandles="1" noChangeArrowheads="1" noChangeShapeType="1" noTextEdit="1"/>
+              </p:cNvSpPr>
+              <p:nvPr/>
+            </p:nvSpPr>
+            <p:spPr>
+              <a:xfrm>
+                <a:off x="1697499" y="2378848"/>
+                <a:ext cx="575799" cy="138499"/>
+              </a:xfrm>
+              <a:prstGeom prst="rect">
+                <a:avLst/>
+              </a:prstGeom>
+              <a:blipFill>
+                <a:blip r:embed="rId5"/>
+                <a:stretch>
+                  <a:fillRect r="-7368" b="-34783"/>
+                </a:stretch>
+              </a:blipFill>
+            </p:spPr>
+            <p:txBody>
+              <a:bodyPr/>
+              <a:lstStyle/>
+              <a:p>
+                <a:r>
+                  <a:rPr lang="en-US">
+                    <a:noFill/>
+                  </a:rPr>
+                  <a:t> </a:t>
+                </a:r>
+              </a:p>
+            </p:txBody>
+          </p:sp>
+        </mc:Fallback>
+      </mc:AlternateContent>
+      <mc:AlternateContent xmlns:mc="http://schemas.openxmlformats.org/markup-compatibility/2006">
+        <mc:Choice xmlns:a14="http://schemas.microsoft.com/office/drawing/2010/main" Requires="a14">
+          <p:sp>
+            <p:nvSpPr>
+              <p:cNvPr id="65" name="TextBox 64">
+                <a:extLst>
+                  <a:ext uri="{FF2B5EF4-FFF2-40B4-BE49-F238E27FC236}">
+                    <a16:creationId xmlns:a16="http://schemas.microsoft.com/office/drawing/2014/main" id="{3917F83F-14BF-4B3B-949E-B0069C907AAD}"/>
+                  </a:ext>
+                </a:extLst>
+              </p:cNvPr>
+              <p:cNvSpPr txBox="1"/>
+              <p:nvPr/>
+            </p:nvSpPr>
+            <p:spPr>
+              <a:xfrm>
+                <a:off x="1697498" y="2788402"/>
+                <a:ext cx="575799" cy="138499"/>
+              </a:xfrm>
+              <a:prstGeom prst="rect">
+                <a:avLst/>
+              </a:prstGeom>
+              <a:noFill/>
+            </p:spPr>
+            <p:txBody>
+              <a:bodyPr wrap="square" lIns="0" tIns="0" rIns="0" bIns="0" rtlCol="0">
+                <a:spAutoFit/>
+              </a:bodyPr>
+              <a:lstStyle/>
+              <a:p>
+                <a:pPr/>
+                <a14:m>
+                  <m:oMathPara xmlns:m="http://schemas.openxmlformats.org/officeDocument/2006/math">
+                    <m:oMathParaPr>
+                      <m:jc m:val="right"/>
+                    </m:oMathParaPr>
+                    <m:oMath xmlns:m="http://schemas.openxmlformats.org/officeDocument/2006/math">
+                      <m:r>
+                        <a:rPr lang="pt-BR" sz="900" i="1" smtClean="0">
+                          <a:latin typeface="Cambria Math" panose="02040503050406030204" pitchFamily="18" charset="0"/>
+                        </a:rPr>
+                        <m:t>1</m:t>
+                      </m:r>
+                      <m:r>
+                        <a:rPr lang="pt-BR" sz="900" b="0" i="1" smtClean="0">
+                          <a:latin typeface="Cambria Math" panose="02040503050406030204" pitchFamily="18" charset="0"/>
+                        </a:rPr>
+                        <m:t>/0</m:t>
+                      </m:r>
+                    </m:oMath>
+                  </m:oMathPara>
+                </a14:m>
+                <a:endParaRPr lang="en-US" sz="900" dirty="0"/>
+              </a:p>
+            </p:txBody>
+          </p:sp>
+        </mc:Choice>
+        <mc:Fallback>
+          <p:sp>
+            <p:nvSpPr>
+              <p:cNvPr id="65" name="TextBox 64">
+                <a:extLst>
+                  <a:ext uri="{FF2B5EF4-FFF2-40B4-BE49-F238E27FC236}">
+                    <a16:creationId xmlns:a16="http://schemas.microsoft.com/office/drawing/2014/main" id="{3917F83F-14BF-4B3B-949E-B0069C907AAD}"/>
+                  </a:ext>
+                </a:extLst>
+              </p:cNvPr>
+              <p:cNvSpPr txBox="1">
+                <a:spLocks noRot="1" noChangeAspect="1" noMove="1" noResize="1" noEditPoints="1" noAdjustHandles="1" noChangeArrowheads="1" noChangeShapeType="1" noTextEdit="1"/>
+              </p:cNvSpPr>
+              <p:nvPr/>
+            </p:nvSpPr>
+            <p:spPr>
+              <a:xfrm>
+                <a:off x="1697498" y="2788402"/>
+                <a:ext cx="575799" cy="138499"/>
+              </a:xfrm>
+              <a:prstGeom prst="rect">
+                <a:avLst/>
+              </a:prstGeom>
+              <a:blipFill>
+                <a:blip r:embed="rId6"/>
+                <a:stretch>
+                  <a:fillRect r="-7368" b="-34783"/>
+                </a:stretch>
+              </a:blipFill>
+            </p:spPr>
+            <p:txBody>
+              <a:bodyPr/>
+              <a:lstStyle/>
+              <a:p>
+                <a:r>
+                  <a:rPr lang="en-US">
+                    <a:noFill/>
+                  </a:rPr>
+                  <a:t> </a:t>
+                </a:r>
+              </a:p>
+            </p:txBody>
+          </p:sp>
+        </mc:Fallback>
+      </mc:AlternateContent>
     </p:spTree>
     <p:extLst>
       <p:ext uri="{BB962C8B-B14F-4D97-AF65-F5344CB8AC3E}">
